--- a/Lauren REU 2019 poster.pptx
+++ b/Lauren REU 2019 poster.pptx
@@ -139,7 +139,7 @@
   </p:defaultTextStyle>
   <p:extLst>
     <p:ext uri="{EFAFB233-063F-42B5-8137-9DF3F51BA10A}">
-      <p15:sldGuideLst xmlns:p15="http://schemas.microsoft.com/office/powerpoint/2012/main" xmlns="">
+      <p15:sldGuideLst xmlns:p15="http://schemas.microsoft.com/office/powerpoint/2012/main">
         <p15:guide id="1" orient="horz" pos="478">
           <p15:clr>
             <a:srgbClr val="A4A3A4"/>
@@ -203,14 +203,14 @@
       </p15:sldGuideLst>
     </p:ext>
     <p:ext uri="{2D200454-40CA-4A62-9FC3-DE9A4176ACB9}">
-      <p15:notesGuideLst xmlns:p15="http://schemas.microsoft.com/office/powerpoint/2012/main" xmlns=""/>
+      <p15:notesGuideLst xmlns:p15="http://schemas.microsoft.com/office/powerpoint/2012/main"/>
     </p:ext>
   </p:extLst>
 </p:presentation>
 </file>
 
 <file path=ppt/charts/chart1.xml><?xml version="1.0" encoding="utf-8"?>
-<c:chartSpace xmlns:c="http://schemas.openxmlformats.org/drawingml/2006/chart" xmlns:a="http://schemas.openxmlformats.org/drawingml/2006/main" xmlns:r="http://schemas.openxmlformats.org/officeDocument/2006/relationships">
+<c:chartSpace xmlns:c="http://schemas.openxmlformats.org/drawingml/2006/chart" xmlns:a="http://schemas.openxmlformats.org/drawingml/2006/main" xmlns:r="http://schemas.openxmlformats.org/officeDocument/2006/relationships" xmlns:c16r2="http://schemas.microsoft.com/office/drawing/2015/06/chart">
   <c:date1904 val="0"/>
   <c:lang val="en-US"/>
   <c:roundedCorners val="0"/>
@@ -245,7 +245,6 @@
           </a:p>
         </c:rich>
       </c:tx>
-      <c:layout/>
       <c:overlay val="0"/>
     </c:title>
     <c:autoTitleDeleted val="0"/>
@@ -314,7 +313,7 @@
               </c:numCache>
             </c:numRef>
           </c:val>
-          <c:extLst xmlns:c16r2="http://schemas.microsoft.com/office/drawing/2015/06/chart">
+          <c:extLst>
             <c:ext xmlns:c16="http://schemas.microsoft.com/office/drawing/2014/chart" uri="{C3380CC4-5D6E-409C-BE32-E72D297353CC}">
               <c16:uniqueId val="{00000000-9BA3-A246-A6E7-C88E5CB38385}"/>
             </c:ext>
@@ -358,7 +357,7 @@
               </c:numCache>
             </c:numRef>
           </c:val>
-          <c:extLst xmlns:c16r2="http://schemas.microsoft.com/office/drawing/2015/06/chart">
+          <c:extLst>
             <c:ext xmlns:c16="http://schemas.microsoft.com/office/drawing/2014/chart" uri="{C3380CC4-5D6E-409C-BE32-E72D297353CC}">
               <c16:uniqueId val="{00000001-9BA3-A246-A6E7-C88E5CB38385}"/>
             </c:ext>
@@ -404,7 +403,7 @@
               </c:numCache>
             </c:numRef>
           </c:val>
-          <c:extLst xmlns:c16r2="http://schemas.microsoft.com/office/drawing/2015/06/chart">
+          <c:extLst>
             <c:ext xmlns:c16="http://schemas.microsoft.com/office/drawing/2014/chart" uri="{C3380CC4-5D6E-409C-BE32-E72D297353CC}">
               <c16:uniqueId val="{00000002-9BA3-A246-A6E7-C88E5CB38385}"/>
             </c:ext>
@@ -419,11 +418,11 @@
           <c:showBubbleSize val="0"/>
         </c:dLbls>
         <c:gapWidth val="150"/>
-        <c:axId val="186554880"/>
-        <c:axId val="38956416"/>
+        <c:axId val="135342592"/>
+        <c:axId val="135416640"/>
       </c:barChart>
       <c:catAx>
-        <c:axId val="186554880"/>
+        <c:axId val="135342592"/>
         <c:scaling>
           <c:orientation val="minMax"/>
         </c:scaling>
@@ -445,7 +444,6 @@
               </a:p>
             </c:rich>
           </c:tx>
-          <c:layout/>
           <c:overlay val="0"/>
         </c:title>
         <c:numFmt formatCode="General" sourceLinked="1"/>
@@ -462,7 +460,7 @@
             <a:endParaRPr lang="en-US"/>
           </a:p>
         </c:txPr>
-        <c:crossAx val="38956416"/>
+        <c:crossAx val="135416640"/>
         <c:crosses val="autoZero"/>
         <c:auto val="1"/>
         <c:lblAlgn val="ctr"/>
@@ -470,7 +468,7 @@
         <c:noMultiLvlLbl val="0"/>
       </c:catAx>
       <c:valAx>
-        <c:axId val="38956416"/>
+        <c:axId val="135416640"/>
         <c:scaling>
           <c:orientation val="minMax"/>
         </c:scaling>
@@ -493,7 +491,6 @@
               </a:p>
             </c:rich>
           </c:tx>
-          <c:layout/>
           <c:overlay val="0"/>
         </c:title>
         <c:numFmt formatCode="&quot;$&quot;#,##0.00_);[Red]\(&quot;$&quot;#,##0.00\)" sourceLinked="1"/>
@@ -510,14 +507,13 @@
             <a:endParaRPr lang="en-US"/>
           </a:p>
         </c:txPr>
-        <c:crossAx val="186554880"/>
+        <c:crossAx val="135342592"/>
         <c:crosses val="autoZero"/>
         <c:crossBetween val="between"/>
       </c:valAx>
     </c:plotArea>
     <c:legend>
       <c:legendPos val="r"/>
-      <c:layout/>
       <c:overlay val="0"/>
       <c:txPr>
         <a:bodyPr/>
@@ -541,7 +537,7 @@
 </file>
 
 <file path=ppt/charts/chart2.xml><?xml version="1.0" encoding="utf-8"?>
-<c:chartSpace xmlns:c="http://schemas.openxmlformats.org/drawingml/2006/chart" xmlns:a="http://schemas.openxmlformats.org/drawingml/2006/main" xmlns:r="http://schemas.openxmlformats.org/officeDocument/2006/relationships">
+<c:chartSpace xmlns:c="http://schemas.openxmlformats.org/drawingml/2006/chart" xmlns:a="http://schemas.openxmlformats.org/drawingml/2006/main" xmlns:r="http://schemas.openxmlformats.org/officeDocument/2006/relationships" xmlns:c16r2="http://schemas.microsoft.com/office/drawing/2015/06/chart">
   <c:date1904 val="0"/>
   <c:lang val="en-US"/>
   <c:roundedCorners val="0"/>
@@ -581,7 +577,6 @@
           </a:p>
         </c:rich>
       </c:tx>
-      <c:layout/>
       <c:overlay val="0"/>
       <c:spPr>
         <a:noFill/>
@@ -716,7 +711,7 @@
               </c:numCache>
             </c:numRef>
           </c:val>
-          <c:extLst xmlns:c16r2="http://schemas.microsoft.com/office/drawing/2015/06/chart">
+          <c:extLst>
             <c:ext xmlns:c16="http://schemas.microsoft.com/office/drawing/2014/chart" uri="{C3380CC4-5D6E-409C-BE32-E72D297353CC}">
               <c16:uniqueId val="{00000000-49DF-DE44-BC4A-1C6831D17A0C}"/>
             </c:ext>
@@ -798,7 +793,7 @@
               </c:numCache>
             </c:numRef>
           </c:val>
-          <c:extLst xmlns:c16r2="http://schemas.microsoft.com/office/drawing/2015/06/chart">
+          <c:extLst>
             <c:ext xmlns:c16="http://schemas.microsoft.com/office/drawing/2014/chart" uri="{C3380CC4-5D6E-409C-BE32-E72D297353CC}">
               <c16:uniqueId val="{00000001-49DF-DE44-BC4A-1C6831D17A0C}"/>
             </c:ext>
@@ -882,7 +877,7 @@
               </c:numCache>
             </c:numRef>
           </c:val>
-          <c:extLst xmlns:c16r2="http://schemas.microsoft.com/office/drawing/2015/06/chart">
+          <c:extLst>
             <c:ext xmlns:c16="http://schemas.microsoft.com/office/drawing/2014/chart" uri="{C3380CC4-5D6E-409C-BE32-E72D297353CC}">
               <c16:uniqueId val="{00000002-49DF-DE44-BC4A-1C6831D17A0C}"/>
             </c:ext>
@@ -898,12 +893,12 @@
         </c:dLbls>
         <c:gapWidth val="150"/>
         <c:shape val="box"/>
-        <c:axId val="186734080"/>
-        <c:axId val="40874496"/>
+        <c:axId val="135343104"/>
+        <c:axId val="135418944"/>
         <c:axId val="0"/>
       </c:bar3DChart>
       <c:catAx>
-        <c:axId val="186734080"/>
+        <c:axId val="135343104"/>
         <c:scaling>
           <c:orientation val="minMax"/>
         </c:scaling>
@@ -935,7 +930,6 @@
               </a:p>
             </c:rich>
           </c:tx>
-          <c:layout/>
           <c:overlay val="0"/>
           <c:spPr>
             <a:noFill/>
@@ -982,7 +976,7 @@
             <a:endParaRPr lang="en-US"/>
           </a:p>
         </c:txPr>
-        <c:crossAx val="40874496"/>
+        <c:crossAx val="135418944"/>
         <c:crosses val="autoZero"/>
         <c:auto val="1"/>
         <c:lblAlgn val="ctr"/>
@@ -990,7 +984,7 @@
         <c:noMultiLvlLbl val="0"/>
       </c:catAx>
       <c:valAx>
-        <c:axId val="40874496"/>
+        <c:axId val="135418944"/>
         <c:scaling>
           <c:orientation val="minMax"/>
         </c:scaling>
@@ -1036,7 +1030,6 @@
               </a:p>
             </c:rich>
           </c:tx>
-          <c:layout/>
           <c:overlay val="0"/>
           <c:spPr>
             <a:noFill/>
@@ -1077,7 +1070,7 @@
             <a:endParaRPr lang="en-US"/>
           </a:p>
         </c:txPr>
-        <c:crossAx val="186734080"/>
+        <c:crossAx val="135343104"/>
         <c:crosses val="autoZero"/>
         <c:crossBetween val="between"/>
       </c:valAx>
@@ -1091,7 +1084,6 @@
     </c:plotArea>
     <c:legend>
       <c:legendPos val="b"/>
-      <c:layout/>
       <c:overlay val="0"/>
       <c:spPr>
         <a:noFill/>
@@ -1123,14 +1115,14 @@
     </c:legend>
     <c:plotVisOnly val="1"/>
     <c:dispBlanksAs val="gap"/>
-    <c:showDLblsOverMax val="0"/>
-    <c:extLst xmlns:c16r2="http://schemas.microsoft.com/office/drawing/2015/06/chart">
+    <c:extLst>
       <c:ext xmlns:c16r3="http://schemas.microsoft.com/office/drawing/2017/03/chart" uri="{56B9EC1D-385E-4148-901F-78D8002777C0}">
         <c16r3:dataDisplayOptions16>
           <c16r3:dispNaAsBlank val="1"/>
         </c16r3:dataDisplayOptions16>
       </c:ext>
     </c:extLst>
+    <c:showDLblsOverMax val="0"/>
   </c:chart>
   <c:spPr>
     <a:solidFill>
@@ -1310,7 +1302,7 @@
               <a:pPr>
                 <a:defRPr/>
               </a:pPr>
-              <a:t>8/8/2019</a:t>
+              <a:t>8/21/19</a:t>
             </a:fld>
             <a:endParaRPr lang="en-US" altLang="en-US"/>
           </a:p>
@@ -6187,7 +6179,7 @@
                 <a:latin typeface="Segoe UI" pitchFamily="34" charset="0"/>
                 <a:cs typeface="Segoe UI" pitchFamily="34" charset="0"/>
               </a:rPr>
-              <a:t>Can be left at 0% capacity indefinitely without suffering noticeable capacity lost</a:t>
+              <a:t>Can be left at 0% capacity indefinitely without suffering noticeable drop in performance</a:t>
             </a:r>
           </a:p>
           <a:p>
@@ -6530,16 +6522,12 @@
               </a:spcBef>
             </a:pPr>
             <a:r>
-              <a:rPr lang="en-US" altLang="en-US" sz="2700" dirty="0" smtClean="0">
+              <a:rPr lang="en-US" altLang="en-US" sz="2700" dirty="0">
                 <a:latin typeface="Segoe UI" pitchFamily="34" charset="0"/>
                 <a:cs typeface="Segoe UI" pitchFamily="34" charset="0"/>
               </a:rPr>
               <a:t>As  the  price  of  solar  panels  continues  to  decrease, the  number  of  solar  installations  in  the  U.S.  increases.  Arizona has  some  of  the  highest  solar  potentials  in  the  US,  and  an increasing number of residents are taking advantage of tax credits and  other  incentives  to  use  that  potential  to  subsidize  their grid  use  with  solar  home  systems  (SHS). SHS  help  to  decrease homeowner’s electricity bills and can  also  be  used  to  power  the  home  in  an  emergency situation  in  island  mode  when  the  grid  is  off-line.  However,  in order to operate in island mode, the SHS must include a battery bank. This paper presents a cost-benefit analysis of batteries lead acid, lithium-ion, and saltwater commercially available batteries used  in  a  HOMER  simulated  SHS  in  Tucson,  Arizona.</a:t>
             </a:r>
-            <a:endParaRPr lang="en-US" altLang="en-US" sz="2700" dirty="0">
-              <a:latin typeface="Segoe UI" pitchFamily="34" charset="0"/>
-              <a:cs typeface="Segoe UI" pitchFamily="34" charset="0"/>
-            </a:endParaRPr>
           </a:p>
         </p:txBody>
       </p:sp>
@@ -6554,7 +6542,7 @@
         <p:spPr bwMode="auto">
           <a:xfrm>
             <a:off x="8601075" y="15066270"/>
-            <a:ext cx="7329488" cy="5047536"/>
+            <a:ext cx="7329488" cy="4616648"/>
           </a:xfrm>
           <a:prstGeom prst="rect">
             <a:avLst/>
@@ -6632,7 +6620,7 @@
                 <a:latin typeface="Segoe UI" pitchFamily="34" charset="0"/>
                 <a:cs typeface="Segoe UI" pitchFamily="34" charset="0"/>
               </a:rPr>
-              <a:t>Solar index, residential load profile, and grid price from Tucson, AZ, are imputed into HOMER.</a:t>
+              <a:t>Solar index, residential load profile, and grid price from Tucson, AZ, are input into HOMER.</a:t>
             </a:r>
           </a:p>
           <a:p>
@@ -6852,49 +6840,49 @@
                 <a:gridCol w="1087821">
                   <a:extLst>
                     <a:ext uri="{9D8B030D-6E8A-4147-A177-3AD203B41FA5}">
-                      <a16:colId xmlns:a16="http://schemas.microsoft.com/office/drawing/2014/main" xmlns="" val="20000"/>
+                      <a16:colId xmlns:a16="http://schemas.microsoft.com/office/drawing/2014/main" val="20000"/>
                     </a:ext>
                   </a:extLst>
                 </a:gridCol>
                 <a:gridCol w="930165">
                   <a:extLst>
                     <a:ext uri="{9D8B030D-6E8A-4147-A177-3AD203B41FA5}">
-                      <a16:colId xmlns:a16="http://schemas.microsoft.com/office/drawing/2014/main" xmlns="" val="20001"/>
+                      <a16:colId xmlns:a16="http://schemas.microsoft.com/office/drawing/2014/main" val="20001"/>
                     </a:ext>
                   </a:extLst>
                 </a:gridCol>
                 <a:gridCol w="1166648">
                   <a:extLst>
                     <a:ext uri="{9D8B030D-6E8A-4147-A177-3AD203B41FA5}">
-                      <a16:colId xmlns:a16="http://schemas.microsoft.com/office/drawing/2014/main" xmlns="" val="20002"/>
+                      <a16:colId xmlns:a16="http://schemas.microsoft.com/office/drawing/2014/main" val="20002"/>
                     </a:ext>
                   </a:extLst>
                 </a:gridCol>
                 <a:gridCol w="1150883">
                   <a:extLst>
                     <a:ext uri="{9D8B030D-6E8A-4147-A177-3AD203B41FA5}">
-                      <a16:colId xmlns:a16="http://schemas.microsoft.com/office/drawing/2014/main" xmlns="" val="20003"/>
+                      <a16:colId xmlns:a16="http://schemas.microsoft.com/office/drawing/2014/main" val="20003"/>
                     </a:ext>
                   </a:extLst>
                 </a:gridCol>
                 <a:gridCol w="1162699">
                   <a:extLst>
                     <a:ext uri="{9D8B030D-6E8A-4147-A177-3AD203B41FA5}">
-                      <a16:colId xmlns:a16="http://schemas.microsoft.com/office/drawing/2014/main" xmlns="" val="20004"/>
+                      <a16:colId xmlns:a16="http://schemas.microsoft.com/office/drawing/2014/main" val="20004"/>
                     </a:ext>
                   </a:extLst>
                 </a:gridCol>
                 <a:gridCol w="1038914">
                   <a:extLst>
                     <a:ext uri="{9D8B030D-6E8A-4147-A177-3AD203B41FA5}">
-                      <a16:colId xmlns:a16="http://schemas.microsoft.com/office/drawing/2014/main" xmlns="" val="20005"/>
+                      <a16:colId xmlns:a16="http://schemas.microsoft.com/office/drawing/2014/main" val="20005"/>
                     </a:ext>
                   </a:extLst>
                 </a:gridCol>
                 <a:gridCol w="1038914">
                   <a:extLst>
                     <a:ext uri="{9D8B030D-6E8A-4147-A177-3AD203B41FA5}">
-                      <a16:colId xmlns:a16="http://schemas.microsoft.com/office/drawing/2014/main" xmlns="" val="20006"/>
+                      <a16:colId xmlns:a16="http://schemas.microsoft.com/office/drawing/2014/main" val="20006"/>
                     </a:ext>
                   </a:extLst>
                 </a:gridCol>
@@ -7447,7 +7435,7 @@
                 </a:tc>
                 <a:extLst>
                   <a:ext uri="{0D108BD9-81ED-4DB2-BD59-A6C34878D82A}">
-                    <a16:rowId xmlns:a16="http://schemas.microsoft.com/office/drawing/2014/main" xmlns="" val="10000"/>
+                    <a16:rowId xmlns:a16="http://schemas.microsoft.com/office/drawing/2014/main" val="10000"/>
                   </a:ext>
                 </a:extLst>
               </a:tr>
@@ -7913,7 +7901,7 @@
                 </a:tc>
                 <a:extLst>
                   <a:ext uri="{0D108BD9-81ED-4DB2-BD59-A6C34878D82A}">
-                    <a16:rowId xmlns:a16="http://schemas.microsoft.com/office/drawing/2014/main" xmlns="" val="10001"/>
+                    <a16:rowId xmlns:a16="http://schemas.microsoft.com/office/drawing/2014/main" val="10001"/>
                   </a:ext>
                 </a:extLst>
               </a:tr>
@@ -8379,7 +8367,7 @@
                 </a:tc>
                 <a:extLst>
                   <a:ext uri="{0D108BD9-81ED-4DB2-BD59-A6C34878D82A}">
-                    <a16:rowId xmlns:a16="http://schemas.microsoft.com/office/drawing/2014/main" xmlns="" val="10002"/>
+                    <a16:rowId xmlns:a16="http://schemas.microsoft.com/office/drawing/2014/main" val="10002"/>
                   </a:ext>
                 </a:extLst>
               </a:tr>
@@ -8845,7 +8833,7 @@
                 </a:tc>
                 <a:extLst>
                   <a:ext uri="{0D108BD9-81ED-4DB2-BD59-A6C34878D82A}">
-                    <a16:rowId xmlns:a16="http://schemas.microsoft.com/office/drawing/2014/main" xmlns="" val="10003"/>
+                    <a16:rowId xmlns:a16="http://schemas.microsoft.com/office/drawing/2014/main" val="10003"/>
                   </a:ext>
                 </a:extLst>
               </a:tr>
@@ -8881,49 +8869,49 @@
                 <a:gridCol w="1270083">
                   <a:extLst>
                     <a:ext uri="{9D8B030D-6E8A-4147-A177-3AD203B41FA5}">
-                      <a16:colId xmlns:a16="http://schemas.microsoft.com/office/drawing/2014/main" xmlns="" val="20000"/>
+                      <a16:colId xmlns:a16="http://schemas.microsoft.com/office/drawing/2014/main" val="20000"/>
                     </a:ext>
                   </a:extLst>
                 </a:gridCol>
                 <a:gridCol w="1227221">
                   <a:extLst>
                     <a:ext uri="{9D8B030D-6E8A-4147-A177-3AD203B41FA5}">
-                      <a16:colId xmlns:a16="http://schemas.microsoft.com/office/drawing/2014/main" xmlns="" val="20001"/>
+                      <a16:colId xmlns:a16="http://schemas.microsoft.com/office/drawing/2014/main" val="20001"/>
                     </a:ext>
                   </a:extLst>
                 </a:gridCol>
                 <a:gridCol w="1130969">
                   <a:extLst>
                     <a:ext uri="{9D8B030D-6E8A-4147-A177-3AD203B41FA5}">
-                      <a16:colId xmlns:a16="http://schemas.microsoft.com/office/drawing/2014/main" xmlns="" val="20002"/>
+                      <a16:colId xmlns:a16="http://schemas.microsoft.com/office/drawing/2014/main" val="20002"/>
                     </a:ext>
                   </a:extLst>
                 </a:gridCol>
                 <a:gridCol w="914400">
                   <a:extLst>
                     <a:ext uri="{9D8B030D-6E8A-4147-A177-3AD203B41FA5}">
-                      <a16:colId xmlns:a16="http://schemas.microsoft.com/office/drawing/2014/main" xmlns="" val="20003"/>
+                      <a16:colId xmlns:a16="http://schemas.microsoft.com/office/drawing/2014/main" val="20003"/>
                     </a:ext>
                   </a:extLst>
                 </a:gridCol>
                 <a:gridCol w="938463">
                   <a:extLst>
                     <a:ext uri="{9D8B030D-6E8A-4147-A177-3AD203B41FA5}">
-                      <a16:colId xmlns:a16="http://schemas.microsoft.com/office/drawing/2014/main" xmlns="" val="20004"/>
+                      <a16:colId xmlns:a16="http://schemas.microsoft.com/office/drawing/2014/main" val="20004"/>
                     </a:ext>
                   </a:extLst>
                 </a:gridCol>
                 <a:gridCol w="1106905">
                   <a:extLst>
                     <a:ext uri="{9D8B030D-6E8A-4147-A177-3AD203B41FA5}">
-                      <a16:colId xmlns:a16="http://schemas.microsoft.com/office/drawing/2014/main" xmlns="" val="20005"/>
+                      <a16:colId xmlns:a16="http://schemas.microsoft.com/office/drawing/2014/main" val="20005"/>
                     </a:ext>
                   </a:extLst>
                 </a:gridCol>
                 <a:gridCol w="862096">
                   <a:extLst>
                     <a:ext uri="{9D8B030D-6E8A-4147-A177-3AD203B41FA5}">
-                      <a16:colId xmlns:a16="http://schemas.microsoft.com/office/drawing/2014/main" xmlns="" val="20006"/>
+                      <a16:colId xmlns:a16="http://schemas.microsoft.com/office/drawing/2014/main" val="20006"/>
                     </a:ext>
                   </a:extLst>
                 </a:gridCol>
@@ -9684,7 +9672,7 @@
                 </a:tc>
                 <a:extLst>
                   <a:ext uri="{0D108BD9-81ED-4DB2-BD59-A6C34878D82A}">
-                    <a16:rowId xmlns:a16="http://schemas.microsoft.com/office/drawing/2014/main" xmlns="" val="10000"/>
+                    <a16:rowId xmlns:a16="http://schemas.microsoft.com/office/drawing/2014/main" val="10000"/>
                   </a:ext>
                 </a:extLst>
               </a:tr>
@@ -10279,7 +10267,7 @@
                 </a:tc>
                 <a:extLst>
                   <a:ext uri="{0D108BD9-81ED-4DB2-BD59-A6C34878D82A}">
-                    <a16:rowId xmlns:a16="http://schemas.microsoft.com/office/drawing/2014/main" xmlns="" val="10001"/>
+                    <a16:rowId xmlns:a16="http://schemas.microsoft.com/office/drawing/2014/main" val="10001"/>
                   </a:ext>
                 </a:extLst>
               </a:tr>
@@ -10870,7 +10858,7 @@
                 </a:tc>
                 <a:extLst>
                   <a:ext uri="{0D108BD9-81ED-4DB2-BD59-A6C34878D82A}">
-                    <a16:rowId xmlns:a16="http://schemas.microsoft.com/office/drawing/2014/main" xmlns="" val="10002"/>
+                    <a16:rowId xmlns:a16="http://schemas.microsoft.com/office/drawing/2014/main" val="10002"/>
                   </a:ext>
                 </a:extLst>
               </a:tr>
@@ -11461,7 +11449,7 @@
                 </a:tc>
                 <a:extLst>
                   <a:ext uri="{0D108BD9-81ED-4DB2-BD59-A6C34878D82A}">
-                    <a16:rowId xmlns:a16="http://schemas.microsoft.com/office/drawing/2014/main" xmlns="" val="10003"/>
+                    <a16:rowId xmlns:a16="http://schemas.microsoft.com/office/drawing/2014/main" val="10003"/>
                   </a:ext>
                 </a:extLst>
               </a:tr>
@@ -11478,14 +11466,14 @@
           <p:nvPr>
             <p:extLst>
               <p:ext uri="{D42A27DB-BD31-4B8C-83A1-F6EECF244321}">
-                <p14:modId xmlns:p14="http://schemas.microsoft.com/office/powerpoint/2010/main" val="2749538956"/>
+                <p14:modId xmlns:p14="http://schemas.microsoft.com/office/powerpoint/2010/main" val="2038366902"/>
               </p:ext>
             </p:extLst>
           </p:nvPr>
         </p:nvGraphicFramePr>
         <p:xfrm>
-          <a:off x="17529722" y="6737514"/>
-          <a:ext cx="5083671" cy="2284412"/>
+          <a:off x="17265924" y="6750632"/>
+          <a:ext cx="5611267" cy="2284412"/>
         </p:xfrm>
         <a:graphic>
           <a:graphicData uri="http://schemas.openxmlformats.org/drawingml/2006/table">
@@ -11494,31 +11482,31 @@
                 <a:tableStyleId>{9D7B26C5-4107-4FEC-AEDC-1716B250A1EF}</a:tableStyleId>
               </a:tblPr>
               <a:tblGrid>
-                <a:gridCol w="1477831">
+                <a:gridCol w="1631204">
                   <a:extLst>
                     <a:ext uri="{9D8B030D-6E8A-4147-A177-3AD203B41FA5}">
-                      <a16:colId xmlns:a16="http://schemas.microsoft.com/office/drawing/2014/main" xmlns="" val="20000"/>
+                      <a16:colId xmlns:a16="http://schemas.microsoft.com/office/drawing/2014/main" val="20000"/>
                     </a:ext>
                   </a:extLst>
                 </a:gridCol>
-                <a:gridCol w="1204158">
+                <a:gridCol w="1329129">
                   <a:extLst>
                     <a:ext uri="{9D8B030D-6E8A-4147-A177-3AD203B41FA5}">
-                      <a16:colId xmlns:a16="http://schemas.microsoft.com/office/drawing/2014/main" xmlns="" val="20001"/>
+                      <a16:colId xmlns:a16="http://schemas.microsoft.com/office/drawing/2014/main" val="20001"/>
                     </a:ext>
                   </a:extLst>
                 </a:gridCol>
-                <a:gridCol w="1200841">
+                <a:gridCol w="1325467">
                   <a:extLst>
                     <a:ext uri="{9D8B030D-6E8A-4147-A177-3AD203B41FA5}">
-                      <a16:colId xmlns:a16="http://schemas.microsoft.com/office/drawing/2014/main" xmlns="" val="20002"/>
+                      <a16:colId xmlns:a16="http://schemas.microsoft.com/office/drawing/2014/main" val="20002"/>
                     </a:ext>
                   </a:extLst>
                 </a:gridCol>
-                <a:gridCol w="1200841">
+                <a:gridCol w="1325467">
                   <a:extLst>
                     <a:ext uri="{9D8B030D-6E8A-4147-A177-3AD203B41FA5}">
-                      <a16:colId xmlns:a16="http://schemas.microsoft.com/office/drawing/2014/main" xmlns="" val="20003"/>
+                      <a16:colId xmlns:a16="http://schemas.microsoft.com/office/drawing/2014/main" val="20003"/>
                     </a:ext>
                   </a:extLst>
                 </a:gridCol>
@@ -12217,7 +12205,7 @@
                 </a:tc>
                 <a:extLst>
                   <a:ext uri="{0D108BD9-81ED-4DB2-BD59-A6C34878D82A}">
-                    <a16:rowId xmlns:a16="http://schemas.microsoft.com/office/drawing/2014/main" xmlns="" val="10000"/>
+                    <a16:rowId xmlns:a16="http://schemas.microsoft.com/office/drawing/2014/main" val="10000"/>
                   </a:ext>
                 </a:extLst>
               </a:tr>
@@ -12703,7 +12691,7 @@
                           </a:ln>
                           <a:effectLst/>
                         </a:rPr>
-                        <a:t>16.89</a:t>
+                        <a:t>$5,895.00</a:t>
                       </a:r>
                       <a:endParaRPr kumimoji="0" lang="en-US" altLang="en-US" sz="2000" b="0" i="0" u="none" strike="noStrike" cap="none" normalizeH="0" baseline="0" dirty="0">
                         <a:ln>
@@ -12888,7 +12876,7 @@
                 </a:tc>
                 <a:extLst>
                   <a:ext uri="{0D108BD9-81ED-4DB2-BD59-A6C34878D82A}">
-                    <a16:rowId xmlns:a16="http://schemas.microsoft.com/office/drawing/2014/main" xmlns="" val="10001"/>
+                    <a16:rowId xmlns:a16="http://schemas.microsoft.com/office/drawing/2014/main" val="10001"/>
                   </a:ext>
                 </a:extLst>
               </a:tr>
@@ -13368,13 +13356,18 @@
                         <a:tabLst/>
                       </a:pPr>
                       <a:r>
-                        <a:rPr kumimoji="0" lang="en-US" altLang="en-US" sz="2000" u="none" strike="noStrike" cap="none" normalizeH="0" baseline="0" dirty="0">
+                        <a:rPr kumimoji="0" lang="en-US" altLang="en-US" sz="2000" b="1" i="0" u="none" strike="noStrike" cap="none" normalizeH="0" baseline="0" dirty="0">
                           <a:ln>
                             <a:noFill/>
                           </a:ln>
+                          <a:solidFill>
+                            <a:schemeClr val="tx1"/>
+                          </a:solidFill>
                           <a:effectLst/>
+                          <a:latin typeface="Arial" charset="0"/>
+                          <a:cs typeface="+mn-cs"/>
                         </a:rPr>
-                        <a:t>6.06</a:t>
+                        <a:t>$6,004.46</a:t>
                       </a:r>
                       <a:endParaRPr kumimoji="0" lang="en-US" altLang="en-US" sz="2000" b="0" i="0" u="none" strike="noStrike" cap="none" normalizeH="0" baseline="0" dirty="0">
                         <a:ln>
@@ -13559,7 +13552,7 @@
                 </a:tc>
                 <a:extLst>
                   <a:ext uri="{0D108BD9-81ED-4DB2-BD59-A6C34878D82A}">
-                    <a16:rowId xmlns:a16="http://schemas.microsoft.com/office/drawing/2014/main" xmlns="" val="10002"/>
+                    <a16:rowId xmlns:a16="http://schemas.microsoft.com/office/drawing/2014/main" val="10002"/>
                   </a:ext>
                 </a:extLst>
               </a:tr>
@@ -14039,13 +14032,18 @@
                         <a:tabLst/>
                       </a:pPr>
                       <a:r>
-                        <a:rPr kumimoji="0" lang="en-US" altLang="en-US" sz="2000" u="none" strike="noStrike" cap="none" normalizeH="0" baseline="0" dirty="0">
+                        <a:rPr kumimoji="0" lang="en-US" altLang="en-US" sz="2000" b="1" i="0" u="none" strike="noStrike" cap="none" normalizeH="0" baseline="0" dirty="0">
                           <a:ln>
                             <a:noFill/>
                           </a:ln>
+                          <a:solidFill>
+                            <a:schemeClr val="tx1"/>
+                          </a:solidFill>
                           <a:effectLst/>
+                          <a:latin typeface="Arial" charset="0"/>
+                          <a:cs typeface="+mn-cs"/>
                         </a:rPr>
-                        <a:t>4.43</a:t>
+                        <a:t>$10,399.90</a:t>
                       </a:r>
                       <a:endParaRPr kumimoji="0" lang="en-US" altLang="en-US" sz="2000" b="0" i="0" u="none" strike="noStrike" cap="none" normalizeH="0" baseline="0" dirty="0">
                         <a:ln>
@@ -14230,7 +14228,7 @@
                 </a:tc>
                 <a:extLst>
                   <a:ext uri="{0D108BD9-81ED-4DB2-BD59-A6C34878D82A}">
-                    <a16:rowId xmlns:a16="http://schemas.microsoft.com/office/drawing/2014/main" xmlns="" val="10003"/>
+                    <a16:rowId xmlns:a16="http://schemas.microsoft.com/office/drawing/2014/main" val="10003"/>
                   </a:ext>
                 </a:extLst>
               </a:tr>
@@ -14266,14 +14264,14 @@
                 <a:gridCol w="1481597">
                   <a:extLst>
                     <a:ext uri="{9D8B030D-6E8A-4147-A177-3AD203B41FA5}">
-                      <a16:colId xmlns:a16="http://schemas.microsoft.com/office/drawing/2014/main" xmlns="" val="20000"/>
+                      <a16:colId xmlns:a16="http://schemas.microsoft.com/office/drawing/2014/main" val="20000"/>
                     </a:ext>
                   </a:extLst>
                 </a:gridCol>
                 <a:gridCol w="2587166">
                   <a:extLst>
                     <a:ext uri="{9D8B030D-6E8A-4147-A177-3AD203B41FA5}">
-                      <a16:colId xmlns:a16="http://schemas.microsoft.com/office/drawing/2014/main" xmlns="" val="20001"/>
+                      <a16:colId xmlns:a16="http://schemas.microsoft.com/office/drawing/2014/main" val="20001"/>
                     </a:ext>
                   </a:extLst>
                 </a:gridCol>
@@ -14631,7 +14629,7 @@
                 </a:tc>
                 <a:extLst>
                   <a:ext uri="{0D108BD9-81ED-4DB2-BD59-A6C34878D82A}">
-                    <a16:rowId xmlns:a16="http://schemas.microsoft.com/office/drawing/2014/main" xmlns="" val="10000"/>
+                    <a16:rowId xmlns:a16="http://schemas.microsoft.com/office/drawing/2014/main" val="10000"/>
                   </a:ext>
                 </a:extLst>
               </a:tr>
@@ -14970,7 +14968,7 @@
                 </a:tc>
                 <a:extLst>
                   <a:ext uri="{0D108BD9-81ED-4DB2-BD59-A6C34878D82A}">
-                    <a16:rowId xmlns:a16="http://schemas.microsoft.com/office/drawing/2014/main" xmlns="" val="10001"/>
+                    <a16:rowId xmlns:a16="http://schemas.microsoft.com/office/drawing/2014/main" val="10001"/>
                   </a:ext>
                 </a:extLst>
               </a:tr>
@@ -15309,7 +15307,7 @@
                 </a:tc>
                 <a:extLst>
                   <a:ext uri="{0D108BD9-81ED-4DB2-BD59-A6C34878D82A}">
-                    <a16:rowId xmlns:a16="http://schemas.microsoft.com/office/drawing/2014/main" xmlns="" val="10002"/>
+                    <a16:rowId xmlns:a16="http://schemas.microsoft.com/office/drawing/2014/main" val="10002"/>
                   </a:ext>
                 </a:extLst>
               </a:tr>
@@ -15648,7 +15646,7 @@
                 </a:tc>
                 <a:extLst>
                   <a:ext uri="{0D108BD9-81ED-4DB2-BD59-A6C34878D82A}">
-                    <a16:rowId xmlns:a16="http://schemas.microsoft.com/office/drawing/2014/main" xmlns="" val="10003"/>
+                    <a16:rowId xmlns:a16="http://schemas.microsoft.com/office/drawing/2014/main" val="10003"/>
                   </a:ext>
                 </a:extLst>
               </a:tr>
@@ -16247,7 +16245,7 @@
             </p:nvSpPr>
             <p:spPr bwMode="auto">
               <a:xfrm>
-                <a:off x="16292198" y="4820486"/>
+                <a:off x="16280444" y="4795004"/>
                 <a:ext cx="7538191" cy="9293826"/>
               </a:xfrm>
               <a:prstGeom prst="rect">
@@ -16432,7 +16430,7 @@
                         <m:sSubPr>
                           <m:ctrlPr>
                             <a:rPr lang="en-US" sz="2800" b="0" i="1" smtClean="0">
-                              <a:latin typeface="Cambria Math"/>
+                              <a:latin typeface="Cambria Math" panose="02040503050406030204" pitchFamily="18" charset="0"/>
                             </a:rPr>
                           </m:ctrlPr>
                         </m:sSubPr>
@@ -16475,7 +16473,7 @@
                         <m:sSubPr>
                           <m:ctrlPr>
                             <a:rPr lang="en-US" sz="2800" b="0" i="1" smtClean="0">
-                              <a:latin typeface="Cambria Math"/>
+                              <a:latin typeface="Cambria Math" panose="02040503050406030204" pitchFamily="18" charset="0"/>
                             </a:rPr>
                           </m:ctrlPr>
                         </m:sSubPr>
@@ -16549,7 +16547,7 @@
                         <m:sSubPr>
                           <m:ctrlPr>
                             <a:rPr lang="en-US" sz="2800" i="1" smtClean="0">
-                              <a:latin typeface="Cambria Math"/>
+                              <a:latin typeface="Cambria Math" panose="02040503050406030204" pitchFamily="18" charset="0"/>
                             </a:rPr>
                           </m:ctrlPr>
                         </m:sSubPr>
@@ -16580,7 +16578,7 @@
                         <m:fPr>
                           <m:ctrlPr>
                             <a:rPr lang="en-US" sz="2800" b="0" i="1" smtClean="0">
-                              <a:latin typeface="Cambria Math"/>
+                              <a:latin typeface="Cambria Math" panose="02040503050406030204" pitchFamily="18" charset="0"/>
                             </a:rPr>
                           </m:ctrlPr>
                         </m:fPr>
@@ -16589,7 +16587,7 @@
                             <m:sSubPr>
                               <m:ctrlPr>
                                 <a:rPr lang="en-US" sz="2800" b="0" i="1" smtClean="0">
-                                  <a:latin typeface="Cambria Math"/>
+                                  <a:latin typeface="Cambria Math" panose="02040503050406030204" pitchFamily="18" charset="0"/>
                                 </a:rPr>
                               </m:ctrlPr>
                             </m:sSubPr>
@@ -16614,7 +16612,7 @@
                             <m:sSubPr>
                               <m:ctrlPr>
                                 <a:rPr lang="en-US" sz="2800" b="0" i="1" smtClean="0">
-                                  <a:latin typeface="Cambria Math"/>
+                                  <a:latin typeface="Cambria Math" panose="02040503050406030204" pitchFamily="18" charset="0"/>
                                 </a:rPr>
                               </m:ctrlPr>
                             </m:sSubPr>
@@ -16639,7 +16637,7 @@
                             <m:sSubPr>
                               <m:ctrlPr>
                                 <a:rPr lang="en-US" sz="2800" b="0" i="1" smtClean="0">
-                                  <a:latin typeface="Cambria Math"/>
+                                  <a:latin typeface="Cambria Math" panose="02040503050406030204" pitchFamily="18" charset="0"/>
                                 </a:rPr>
                               </m:ctrlPr>
                             </m:sSubPr>
@@ -16671,7 +16669,7 @@
                               <m:type m:val="skw"/>
                               <m:ctrlPr>
                                 <a:rPr lang="en-US" sz="2800" b="0" i="1" smtClean="0">
-                                  <a:latin typeface="Cambria Math"/>
+                                  <a:latin typeface="Cambria Math" panose="02040503050406030204" pitchFamily="18" charset="0"/>
                                 </a:rPr>
                               </m:ctrlPr>
                             </m:fPr>
@@ -16680,7 +16678,7 @@
                                 <m:sSubPr>
                                   <m:ctrlPr>
                                     <a:rPr lang="en-US" sz="2800" b="0" i="1" smtClean="0">
-                                      <a:latin typeface="Cambria Math"/>
+                                      <a:latin typeface="Cambria Math" panose="02040503050406030204" pitchFamily="18" charset="0"/>
                                     </a:rPr>
                                   </m:ctrlPr>
                                 </m:sSubPr>
@@ -16722,7 +16720,7 @@
                               <m:type m:val="lin"/>
                               <m:ctrlPr>
                                 <a:rPr lang="en-US" sz="2800" b="0" i="1" smtClean="0">
-                                  <a:latin typeface="Cambria Math"/>
+                                  <a:latin typeface="Cambria Math" panose="02040503050406030204" pitchFamily="18" charset="0"/>
                                 </a:rPr>
                               </m:ctrlPr>
                             </m:fPr>
@@ -16761,7 +16759,7 @@
                             <m:sSubPr>
                               <m:ctrlPr>
                                 <a:rPr lang="en-US" sz="2800" b="0" i="1" smtClean="0">
-                                  <a:latin typeface="Cambria Math"/>
+                                  <a:latin typeface="Cambria Math" panose="02040503050406030204" pitchFamily="18" charset="0"/>
                                 </a:rPr>
                               </m:ctrlPr>
                             </m:sSubPr>
@@ -16804,7 +16802,7 @@
                             <m:boxPr>
                               <m:ctrlPr>
                                 <a:rPr lang="en-US" sz="2800" b="0" i="1" smtClean="0">
-                                  <a:latin typeface="Cambria Math"/>
+                                  <a:latin typeface="Cambria Math" panose="02040503050406030204" pitchFamily="18" charset="0"/>
                                 </a:rPr>
                               </m:ctrlPr>
                             </m:boxPr>
@@ -16816,7 +16814,7 @@
                                 <m:fPr>
                                   <m:ctrlPr>
                                     <a:rPr lang="en-US" sz="2800" b="0" i="1" smtClean="0">
-                                      <a:latin typeface="Cambria Math"/>
+                                      <a:latin typeface="Cambria Math" panose="02040503050406030204" pitchFamily="18" charset="0"/>
                                     </a:rPr>
                                   </m:ctrlPr>
                                 </m:fPr>
@@ -16833,7 +16831,7 @@
                                       <m:endChr m:val="]"/>
                                       <m:ctrlPr>
                                         <a:rPr lang="en-US" sz="2800" b="0" i="1" smtClean="0">
-                                          <a:latin typeface="Cambria Math"/>
+                                          <a:latin typeface="Cambria Math" panose="02040503050406030204" pitchFamily="18" charset="0"/>
                                         </a:rPr>
                                       </m:ctrlPr>
                                     </m:dPr>
@@ -16897,16 +16895,16 @@
             </p:nvSpPr>
             <p:spPr bwMode="auto">
               <a:xfrm>
-                <a:off x="16292198" y="4820486"/>
+                <a:off x="16280444" y="4795004"/>
                 <a:ext cx="7538191" cy="9293826"/>
               </a:xfrm>
               <a:prstGeom prst="rect">
                 <a:avLst/>
               </a:prstGeom>
-              <a:blipFill>
+              <a:blipFill rotWithShape="1">
                 <a:blip r:embed="rId8"/>
                 <a:stretch>
-                  <a:fillRect l="-1684" t="-683" r="-1684" b="-6831"/>
+                  <a:fillRect l="-1699" t="-656" r="-1699" b="-3609"/>
                 </a:stretch>
               </a:blipFill>
               <a:ln>
